--- a/3_Bezpieczenstwo_ofensywne.pptx
+++ b/3_Bezpieczenstwo_ofensywne.pptx
@@ -261,7 +261,7 @@
           <a:p>
             <a:fld id="{5030ED2E-3D69-483A-A1D3-737DA805A09E}" type="datetimeFigureOut">
               <a:rPr lang="en-US" smtClean="0"/>
-              <a:t>11/7/2020</a:t>
+              <a:t>4/17/2022</a:t>
             </a:fld>
             <a:endParaRPr lang="en-US"/>
           </a:p>
@@ -3785,7 +3785,7 @@
           <a:p>
             <a:fld id="{ECC34D63-B9C8-4C03-BEE1-E5EE606B8F38}" type="datetimeFigureOut">
               <a:rPr lang="en-US" smtClean="0"/>
-              <a:t>11/7/2020</a:t>
+              <a:t>4/17/2022</a:t>
             </a:fld>
             <a:endParaRPr lang="en-US"/>
           </a:p>
@@ -3983,7 +3983,7 @@
           <a:p>
             <a:fld id="{ECC34D63-B9C8-4C03-BEE1-E5EE606B8F38}" type="datetimeFigureOut">
               <a:rPr lang="en-US" smtClean="0"/>
-              <a:t>11/7/2020</a:t>
+              <a:t>4/17/2022</a:t>
             </a:fld>
             <a:endParaRPr lang="en-US"/>
           </a:p>
@@ -4191,7 +4191,7 @@
           <a:p>
             <a:fld id="{ECC34D63-B9C8-4C03-BEE1-E5EE606B8F38}" type="datetimeFigureOut">
               <a:rPr lang="en-US" smtClean="0"/>
-              <a:t>11/7/2020</a:t>
+              <a:t>4/17/2022</a:t>
             </a:fld>
             <a:endParaRPr lang="en-US"/>
           </a:p>
@@ -4389,7 +4389,7 @@
           <a:p>
             <a:fld id="{ECC34D63-B9C8-4C03-BEE1-E5EE606B8F38}" type="datetimeFigureOut">
               <a:rPr lang="en-US" smtClean="0"/>
-              <a:t>11/7/2020</a:t>
+              <a:t>4/17/2022</a:t>
             </a:fld>
             <a:endParaRPr lang="en-US"/>
           </a:p>
@@ -4664,7 +4664,7 @@
           <a:p>
             <a:fld id="{ECC34D63-B9C8-4C03-BEE1-E5EE606B8F38}" type="datetimeFigureOut">
               <a:rPr lang="en-US" smtClean="0"/>
-              <a:t>11/7/2020</a:t>
+              <a:t>4/17/2022</a:t>
             </a:fld>
             <a:endParaRPr lang="en-US"/>
           </a:p>
@@ -4929,7 +4929,7 @@
           <a:p>
             <a:fld id="{ECC34D63-B9C8-4C03-BEE1-E5EE606B8F38}" type="datetimeFigureOut">
               <a:rPr lang="en-US" smtClean="0"/>
-              <a:t>11/7/2020</a:t>
+              <a:t>4/17/2022</a:t>
             </a:fld>
             <a:endParaRPr lang="en-US"/>
           </a:p>
@@ -5341,7 +5341,7 @@
           <a:p>
             <a:fld id="{ECC34D63-B9C8-4C03-BEE1-E5EE606B8F38}" type="datetimeFigureOut">
               <a:rPr lang="en-US" smtClean="0"/>
-              <a:t>11/7/2020</a:t>
+              <a:t>4/17/2022</a:t>
             </a:fld>
             <a:endParaRPr lang="en-US"/>
           </a:p>
@@ -5482,7 +5482,7 @@
           <a:p>
             <a:fld id="{ECC34D63-B9C8-4C03-BEE1-E5EE606B8F38}" type="datetimeFigureOut">
               <a:rPr lang="en-US" smtClean="0"/>
-              <a:t>11/7/2020</a:t>
+              <a:t>4/17/2022</a:t>
             </a:fld>
             <a:endParaRPr lang="en-US"/>
           </a:p>
@@ -5595,7 +5595,7 @@
           <a:p>
             <a:fld id="{ECC34D63-B9C8-4C03-BEE1-E5EE606B8F38}" type="datetimeFigureOut">
               <a:rPr lang="en-US" smtClean="0"/>
-              <a:t>11/7/2020</a:t>
+              <a:t>4/17/2022</a:t>
             </a:fld>
             <a:endParaRPr lang="en-US"/>
           </a:p>
@@ -5906,7 +5906,7 @@
           <a:p>
             <a:fld id="{ECC34D63-B9C8-4C03-BEE1-E5EE606B8F38}" type="datetimeFigureOut">
               <a:rPr lang="en-US" smtClean="0"/>
-              <a:t>11/7/2020</a:t>
+              <a:t>4/17/2022</a:t>
             </a:fld>
             <a:endParaRPr lang="en-US"/>
           </a:p>
@@ -6194,7 +6194,7 @@
           <a:p>
             <a:fld id="{ECC34D63-B9C8-4C03-BEE1-E5EE606B8F38}" type="datetimeFigureOut">
               <a:rPr lang="en-US" smtClean="0"/>
-              <a:t>11/7/2020</a:t>
+              <a:t>4/17/2022</a:t>
             </a:fld>
             <a:endParaRPr lang="en-US"/>
           </a:p>
@@ -6435,7 +6435,7 @@
           <a:p>
             <a:fld id="{ECC34D63-B9C8-4C03-BEE1-E5EE606B8F38}" type="datetimeFigureOut">
               <a:rPr lang="en-US" smtClean="0"/>
-              <a:t>11/7/2020</a:t>
+              <a:t>4/17/2022</a:t>
             </a:fld>
             <a:endParaRPr lang="en-US"/>
           </a:p>
@@ -6894,7 +6894,9 @@
           </a:solidFill>
         </p:spPr>
         <p:txBody>
-          <a:bodyPr/>
+          <a:bodyPr>
+            <a:normAutofit fontScale="90000"/>
+          </a:bodyPr>
           <a:lstStyle/>
           <a:p>
             <a:pPr marL="21613" indent="-11527" algn="ctr">
@@ -7131,8 +7133,44 @@
               <a:buChar char="•"/>
             </a:pPr>
             <a:r>
-              <a:rPr lang="en-US" sz="2600"/>
-              <a:t>Czynniki działające na korzyść atakującego:</a:t>
+              <a:rPr lang="en-US" sz="2600" dirty="0" err="1"/>
+              <a:t>Czynniki</a:t>
+            </a:r>
+            <a:r>
+              <a:rPr lang="en-US" sz="2600" dirty="0"/>
+              <a:t> </a:t>
+            </a:r>
+            <a:r>
+              <a:rPr lang="en-US" sz="2600" dirty="0" err="1"/>
+              <a:t>działające</a:t>
+            </a:r>
+            <a:r>
+              <a:rPr lang="en-US" sz="2600" dirty="0"/>
+              <a:t> </a:t>
+            </a:r>
+            <a:r>
+              <a:rPr lang="en-US" sz="2600" dirty="0" err="1"/>
+              <a:t>na</a:t>
+            </a:r>
+            <a:r>
+              <a:rPr lang="en-US" sz="2600" dirty="0"/>
+              <a:t> </a:t>
+            </a:r>
+            <a:r>
+              <a:rPr lang="en-US" sz="2600" dirty="0" err="1"/>
+              <a:t>korzyść</a:t>
+            </a:r>
+            <a:r>
+              <a:rPr lang="en-US" sz="2600" dirty="0"/>
+              <a:t> </a:t>
+            </a:r>
+            <a:r>
+              <a:rPr lang="en-US" sz="2600" dirty="0" err="1"/>
+              <a:t>atakującego</a:t>
+            </a:r>
+            <a:r>
+              <a:rPr lang="en-US" sz="2600" dirty="0"/>
+              <a:t>:</a:t>
             </a:r>
           </a:p>
           <a:p>
@@ -7141,9 +7179,26 @@
               <a:buChar char="•"/>
             </a:pPr>
             <a:r>
-              <a:rPr lang="en-US" sz="2600"/>
-              <a:t>wykonuje pierwszy krok</a:t>
-            </a:r>
+              <a:rPr lang="en-US" sz="2600" dirty="0" err="1"/>
+              <a:t>wykonuje</a:t>
+            </a:r>
+            <a:r>
+              <a:rPr lang="en-US" sz="2600" dirty="0"/>
+              <a:t> </a:t>
+            </a:r>
+            <a:r>
+              <a:rPr lang="en-US" sz="2600" dirty="0" err="1"/>
+              <a:t>pierwszy</a:t>
+            </a:r>
+            <a:r>
+              <a:rPr lang="en-US" sz="2600" dirty="0"/>
+              <a:t> </a:t>
+            </a:r>
+            <a:r>
+              <a:rPr lang="en-US" sz="2600" dirty="0" err="1"/>
+              <a:t>krok</a:t>
+            </a:r>
+            <a:endParaRPr lang="en-US" sz="2600" dirty="0"/>
           </a:p>
           <a:p>
             <a:pPr marL="1200150" lvl="2" indent="-285750">
@@ -7151,9 +7206,50 @@
               <a:buChar char="•"/>
             </a:pPr>
             <a:r>
-              <a:rPr lang="en-US" sz="2600"/>
-              <a:t>wymyśla i znajduje nowe wektory ataków</a:t>
-            </a:r>
+              <a:rPr lang="en-US" sz="2600" dirty="0" err="1"/>
+              <a:t>wymyśla</a:t>
+            </a:r>
+            <a:r>
+              <a:rPr lang="en-US" sz="2600" dirty="0"/>
+              <a:t> </a:t>
+            </a:r>
+            <a:r>
+              <a:rPr lang="en-US" sz="2600" dirty="0" err="1"/>
+              <a:t>i</a:t>
+            </a:r>
+            <a:r>
+              <a:rPr lang="en-US" sz="2600" dirty="0"/>
+              <a:t> </a:t>
+            </a:r>
+            <a:r>
+              <a:rPr lang="en-US" sz="2600" dirty="0" err="1"/>
+              <a:t>znajduje</a:t>
+            </a:r>
+            <a:r>
+              <a:rPr lang="en-US" sz="2600" dirty="0"/>
+              <a:t> </a:t>
+            </a:r>
+            <a:r>
+              <a:rPr lang="en-US" sz="2600" dirty="0" err="1"/>
+              <a:t>nowe</a:t>
+            </a:r>
+            <a:r>
+              <a:rPr lang="en-US" sz="2600" dirty="0"/>
+              <a:t> </a:t>
+            </a:r>
+            <a:r>
+              <a:rPr lang="en-US" sz="2600" dirty="0" err="1"/>
+              <a:t>wektory</a:t>
+            </a:r>
+            <a:r>
+              <a:rPr lang="en-US" sz="2600" dirty="0"/>
+              <a:t> </a:t>
+            </a:r>
+            <a:r>
+              <a:rPr lang="en-US" sz="2600" dirty="0" err="1"/>
+              <a:t>ataków</a:t>
+            </a:r>
+            <a:endParaRPr lang="en-US" sz="2600" dirty="0"/>
           </a:p>
           <a:p>
             <a:pPr marL="1200150" lvl="2" indent="-285750">
@@ -7161,17 +7257,181 @@
               <a:buChar char="•"/>
             </a:pPr>
             <a:r>
-              <a:rPr lang="en-US" sz="2600"/>
-              <a:t>przeważnie do sukcesu wystarczy, by udał się jeden atak (także im dłużej atakuje, tym większa szansa, że prędzej czy później coś mu się uda </a:t>
-            </a:r>
-            <a:r>
-              <a:rPr lang="pl-PL" sz="2800">
+              <a:rPr lang="en-US" sz="2600" dirty="0" err="1"/>
+              <a:t>przeważnie</a:t>
+            </a:r>
+            <a:r>
+              <a:rPr lang="en-US" sz="2600" dirty="0"/>
+              <a:t> do </a:t>
+            </a:r>
+            <a:r>
+              <a:rPr lang="en-US" sz="2600" dirty="0" err="1"/>
+              <a:t>sukcesu</a:t>
+            </a:r>
+            <a:r>
+              <a:rPr lang="en-US" sz="2600" dirty="0"/>
+              <a:t> </a:t>
+            </a:r>
+            <a:r>
+              <a:rPr lang="en-US" sz="2600" dirty="0" err="1"/>
+              <a:t>wystarczy</a:t>
+            </a:r>
+            <a:r>
+              <a:rPr lang="en-US" sz="2600" dirty="0"/>
+              <a:t>, by </a:t>
+            </a:r>
+            <a:r>
+              <a:rPr lang="en-US" sz="2600" dirty="0" err="1"/>
+              <a:t>udał</a:t>
+            </a:r>
+            <a:r>
+              <a:rPr lang="en-US" sz="2600" dirty="0"/>
+              <a:t> </a:t>
+            </a:r>
+            <a:r>
+              <a:rPr lang="en-US" sz="2600" dirty="0" err="1"/>
+              <a:t>się</a:t>
+            </a:r>
+            <a:r>
+              <a:rPr lang="en-US" sz="2600" dirty="0"/>
+              <a:t> </a:t>
+            </a:r>
+            <a:r>
+              <a:rPr lang="en-US" sz="2600" dirty="0" err="1"/>
+              <a:t>jeden</a:t>
+            </a:r>
+            <a:r>
+              <a:rPr lang="en-US" sz="2600" dirty="0"/>
+              <a:t> </a:t>
+            </a:r>
+            <a:r>
+              <a:rPr lang="en-US" sz="2600" dirty="0" err="1"/>
+              <a:t>atak</a:t>
+            </a:r>
+            <a:r>
+              <a:rPr lang="en-US" sz="2600" dirty="0"/>
+              <a:t> (</a:t>
+            </a:r>
+            <a:r>
+              <a:rPr lang="en-US" sz="2600" dirty="0" err="1"/>
+              <a:t>także</a:t>
+            </a:r>
+            <a:r>
+              <a:rPr lang="en-US" sz="2600" dirty="0"/>
+              <a:t> </a:t>
+            </a:r>
+            <a:r>
+              <a:rPr lang="en-US" sz="2600" dirty="0" err="1"/>
+              <a:t>im</a:t>
+            </a:r>
+            <a:r>
+              <a:rPr lang="en-US" sz="2600" dirty="0"/>
+              <a:t> </a:t>
+            </a:r>
+            <a:r>
+              <a:rPr lang="en-US" sz="2600" dirty="0" err="1"/>
+              <a:t>dłużej</a:t>
+            </a:r>
+            <a:r>
+              <a:rPr lang="en-US" sz="2600" dirty="0"/>
+              <a:t> </a:t>
+            </a:r>
+            <a:r>
+              <a:rPr lang="en-US" sz="2600" dirty="0" err="1"/>
+              <a:t>atakuje</a:t>
+            </a:r>
+            <a:r>
+              <a:rPr lang="en-US" sz="2600" dirty="0"/>
+              <a:t>, </a:t>
+            </a:r>
+            <a:r>
+              <a:rPr lang="en-US" sz="2600" dirty="0" err="1"/>
+              <a:t>tym</a:t>
+            </a:r>
+            <a:r>
+              <a:rPr lang="en-US" sz="2600" dirty="0"/>
+              <a:t> </a:t>
+            </a:r>
+            <a:r>
+              <a:rPr lang="en-US" sz="2600" dirty="0" err="1"/>
+              <a:t>większa</a:t>
+            </a:r>
+            <a:r>
+              <a:rPr lang="en-US" sz="2600" dirty="0"/>
+              <a:t> </a:t>
+            </a:r>
+            <a:r>
+              <a:rPr lang="en-US" sz="2600" dirty="0" err="1"/>
+              <a:t>szansa</a:t>
+            </a:r>
+            <a:r>
+              <a:rPr lang="en-US" sz="2600" dirty="0"/>
+              <a:t>, </a:t>
+            </a:r>
+            <a:r>
+              <a:rPr lang="en-US" sz="2600" dirty="0" err="1"/>
+              <a:t>że</a:t>
+            </a:r>
+            <a:r>
+              <a:rPr lang="en-US" sz="2600" dirty="0"/>
+              <a:t> </a:t>
+            </a:r>
+            <a:r>
+              <a:rPr lang="en-US" sz="2600" dirty="0" err="1"/>
+              <a:t>prędzej</a:t>
+            </a:r>
+            <a:r>
+              <a:rPr lang="en-US" sz="2600" dirty="0"/>
+              <a:t> </a:t>
+            </a:r>
+            <a:r>
+              <a:rPr lang="en-US" sz="2600" dirty="0" err="1"/>
+              <a:t>czy</a:t>
+            </a:r>
+            <a:r>
+              <a:rPr lang="en-US" sz="2600" dirty="0"/>
+              <a:t> </a:t>
+            </a:r>
+            <a:r>
+              <a:rPr lang="en-US" sz="2600" dirty="0" err="1"/>
+              <a:t>później</a:t>
+            </a:r>
+            <a:r>
+              <a:rPr lang="en-US" sz="2600" dirty="0"/>
+              <a:t> </a:t>
+            </a:r>
+            <a:r>
+              <a:rPr lang="en-US" sz="2600" dirty="0" err="1"/>
+              <a:t>coś</a:t>
+            </a:r>
+            <a:r>
+              <a:rPr lang="en-US" sz="2600" dirty="0"/>
+              <a:t> mu </a:t>
+            </a:r>
+            <a:r>
+              <a:rPr lang="en-US" sz="2600" dirty="0" err="1"/>
+              <a:t>się</a:t>
+            </a:r>
+            <a:r>
+              <a:rPr lang="en-US" sz="2600" dirty="0"/>
+              <a:t> </a:t>
+            </a:r>
+            <a:r>
+              <a:rPr lang="en-US" sz="2600" dirty="0" err="1"/>
+              <a:t>uda</a:t>
+            </a:r>
+            <a:r>
+              <a:rPr lang="en-US" sz="2600" dirty="0"/>
+              <a:t> </a:t>
+            </a:r>
+            <a:r>
+              <a:rPr lang="pl-PL" sz="2800" dirty="0">
                 <a:sym typeface="Wingdings" panose="05000000000000000000" pitchFamily="2" charset="2"/>
               </a:rPr>
               <a:t></a:t>
             </a:r>
             <a:r>
-              <a:rPr lang="en-US" sz="2600"/>
+              <a:rPr lang="en-US" sz="2600" dirty="0"/>
               <a:t>)</a:t>
             </a:r>
           </a:p>
@@ -7181,13 +7441,30 @@
               <a:buChar char="•"/>
             </a:pPr>
             <a:r>
-              <a:rPr lang="en-US" sz="2600"/>
-              <a:t>znajomość defensywy jest </a:t>
-            </a:r>
-            <a:r>
-              <a:rPr lang="en-US" sz="2600" b="1"/>
+              <a:rPr lang="en-US" sz="2600" dirty="0" err="1"/>
+              <a:t>znajomość</a:t>
+            </a:r>
+            <a:r>
+              <a:rPr lang="en-US" sz="2600" dirty="0"/>
+              <a:t> </a:t>
+            </a:r>
+            <a:r>
+              <a:rPr lang="en-US" sz="2600" dirty="0" err="1"/>
+              <a:t>defensywy</a:t>
+            </a:r>
+            <a:r>
+              <a:rPr lang="en-US" sz="2600" dirty="0"/>
+              <a:t> jest </a:t>
+            </a:r>
+            <a:r>
+              <a:rPr lang="en-US" sz="2600" b="1" dirty="0" err="1"/>
               <a:t>pomocna</a:t>
             </a:r>
+            <a:r>
+              <a:rPr lang="pl-PL" sz="2600" b="1" dirty="0"/>
+              <a:t>, ale nie zawsze konieczna</a:t>
+            </a:r>
+            <a:endParaRPr lang="en-US" sz="2600" b="1" dirty="0"/>
           </a:p>
           <a:p>
             <a:pPr marL="742950" lvl="1" indent="-285750">
@@ -7195,8 +7472,44 @@
               <a:buChar char="•"/>
             </a:pPr>
             <a:r>
-              <a:rPr lang="en-US" sz="2600"/>
-              <a:t>Czynnniki działające na niekorzyść atakującego:</a:t>
+              <a:rPr lang="en-US" sz="2600" dirty="0" err="1"/>
+              <a:t>Czynnniki</a:t>
+            </a:r>
+            <a:r>
+              <a:rPr lang="en-US" sz="2600" dirty="0"/>
+              <a:t> </a:t>
+            </a:r>
+            <a:r>
+              <a:rPr lang="en-US" sz="2600" dirty="0" err="1"/>
+              <a:t>działające</a:t>
+            </a:r>
+            <a:r>
+              <a:rPr lang="en-US" sz="2600" dirty="0"/>
+              <a:t> </a:t>
+            </a:r>
+            <a:r>
+              <a:rPr lang="en-US" sz="2600" dirty="0" err="1"/>
+              <a:t>na</a:t>
+            </a:r>
+            <a:r>
+              <a:rPr lang="en-US" sz="2600" dirty="0"/>
+              <a:t> </a:t>
+            </a:r>
+            <a:r>
+              <a:rPr lang="en-US" sz="2600" dirty="0" err="1"/>
+              <a:t>niekorzyść</a:t>
+            </a:r>
+            <a:r>
+              <a:rPr lang="en-US" sz="2600" dirty="0"/>
+              <a:t> </a:t>
+            </a:r>
+            <a:r>
+              <a:rPr lang="en-US" sz="2600" dirty="0" err="1"/>
+              <a:t>atakującego</a:t>
+            </a:r>
+            <a:r>
+              <a:rPr lang="en-US" sz="2600" dirty="0"/>
+              <a:t>:</a:t>
             </a:r>
           </a:p>
           <a:p>
@@ -7205,22 +7518,202 @@
               <a:buChar char="•"/>
             </a:pPr>
             <a:r>
-              <a:rPr lang="en-US" sz="2600"/>
-              <a:t>nie zna środowiska, które atakuje (zdobycie tej wiedzy wymaga czasu, pracy i niesie ze sobą ryzyko wykrycia, szczególnie we wczesnej fazie - bo nie zna środowiska </a:t>
-            </a:r>
-            <a:r>
-              <a:rPr lang="pl-PL" sz="2400">
+              <a:rPr lang="en-US" sz="2600" dirty="0" err="1"/>
+              <a:t>nie</a:t>
+            </a:r>
+            <a:r>
+              <a:rPr lang="en-US" sz="2600" dirty="0"/>
+              <a:t> </a:t>
+            </a:r>
+            <a:r>
+              <a:rPr lang="en-US" sz="2600" dirty="0" err="1"/>
+              <a:t>zna</a:t>
+            </a:r>
+            <a:r>
+              <a:rPr lang="en-US" sz="2600" dirty="0"/>
+              <a:t> </a:t>
+            </a:r>
+            <a:r>
+              <a:rPr lang="en-US" sz="2600" dirty="0" err="1"/>
+              <a:t>środowiska</a:t>
+            </a:r>
+            <a:r>
+              <a:rPr lang="en-US" sz="2600" dirty="0"/>
+              <a:t>, </a:t>
+            </a:r>
+            <a:r>
+              <a:rPr lang="en-US" sz="2600" dirty="0" err="1"/>
+              <a:t>które</a:t>
+            </a:r>
+            <a:r>
+              <a:rPr lang="en-US" sz="2600" dirty="0"/>
+              <a:t> </a:t>
+            </a:r>
+            <a:r>
+              <a:rPr lang="en-US" sz="2600" dirty="0" err="1"/>
+              <a:t>atakuje</a:t>
+            </a:r>
+            <a:r>
+              <a:rPr lang="en-US" sz="2600" dirty="0"/>
+              <a:t> (</a:t>
+            </a:r>
+            <a:r>
+              <a:rPr lang="en-US" sz="2600" dirty="0" err="1"/>
+              <a:t>zdobycie</a:t>
+            </a:r>
+            <a:r>
+              <a:rPr lang="en-US" sz="2600" dirty="0"/>
+              <a:t> </a:t>
+            </a:r>
+            <a:r>
+              <a:rPr lang="en-US" sz="2600" dirty="0" err="1"/>
+              <a:t>tej</a:t>
+            </a:r>
+            <a:r>
+              <a:rPr lang="en-US" sz="2600" dirty="0"/>
+              <a:t> </a:t>
+            </a:r>
+            <a:r>
+              <a:rPr lang="en-US" sz="2600" dirty="0" err="1"/>
+              <a:t>wiedzy</a:t>
+            </a:r>
+            <a:r>
+              <a:rPr lang="en-US" sz="2600" dirty="0"/>
+              <a:t> </a:t>
+            </a:r>
+            <a:r>
+              <a:rPr lang="en-US" sz="2600" dirty="0" err="1"/>
+              <a:t>wymaga</a:t>
+            </a:r>
+            <a:r>
+              <a:rPr lang="en-US" sz="2600" dirty="0"/>
+              <a:t> </a:t>
+            </a:r>
+            <a:r>
+              <a:rPr lang="en-US" sz="2600" dirty="0" err="1"/>
+              <a:t>czasu</a:t>
+            </a:r>
+            <a:r>
+              <a:rPr lang="en-US" sz="2600" dirty="0"/>
+              <a:t>, </a:t>
+            </a:r>
+            <a:r>
+              <a:rPr lang="en-US" sz="2600" dirty="0" err="1"/>
+              <a:t>pracy</a:t>
+            </a:r>
+            <a:r>
+              <a:rPr lang="en-US" sz="2600" dirty="0"/>
+              <a:t> </a:t>
+            </a:r>
+            <a:r>
+              <a:rPr lang="en-US" sz="2600" dirty="0" err="1"/>
+              <a:t>i</a:t>
+            </a:r>
+            <a:r>
+              <a:rPr lang="en-US" sz="2600" dirty="0"/>
+              <a:t> </a:t>
+            </a:r>
+            <a:r>
+              <a:rPr lang="en-US" sz="2600" dirty="0" err="1"/>
+              <a:t>niesie</a:t>
+            </a:r>
+            <a:r>
+              <a:rPr lang="en-US" sz="2600" dirty="0"/>
+              <a:t> ze </a:t>
+            </a:r>
+            <a:r>
+              <a:rPr lang="en-US" sz="2600" dirty="0" err="1"/>
+              <a:t>sobą</a:t>
+            </a:r>
+            <a:r>
+              <a:rPr lang="en-US" sz="2600" dirty="0"/>
+              <a:t> </a:t>
+            </a:r>
+            <a:r>
+              <a:rPr lang="en-US" sz="2600" dirty="0" err="1"/>
+              <a:t>ryzyko</a:t>
+            </a:r>
+            <a:r>
+              <a:rPr lang="en-US" sz="2600" dirty="0"/>
+              <a:t> </a:t>
+            </a:r>
+            <a:r>
+              <a:rPr lang="en-US" sz="2600" dirty="0" err="1"/>
+              <a:t>wykrycia</a:t>
+            </a:r>
+            <a:r>
+              <a:rPr lang="en-US" sz="2600" dirty="0"/>
+              <a:t>, </a:t>
+            </a:r>
+            <a:r>
+              <a:rPr lang="en-US" sz="2600" dirty="0" err="1"/>
+              <a:t>szczególnie</a:t>
+            </a:r>
+            <a:r>
+              <a:rPr lang="en-US" sz="2600" dirty="0"/>
+              <a:t> we </a:t>
+            </a:r>
+            <a:r>
+              <a:rPr lang="en-US" sz="2600" dirty="0" err="1"/>
+              <a:t>wczesnej</a:t>
+            </a:r>
+            <a:r>
+              <a:rPr lang="en-US" sz="2600" dirty="0"/>
+              <a:t> </a:t>
+            </a:r>
+            <a:r>
+              <a:rPr lang="en-US" sz="2600" dirty="0" err="1"/>
+              <a:t>fazie</a:t>
+            </a:r>
+            <a:r>
+              <a:rPr lang="en-US" sz="2600" dirty="0"/>
+              <a:t> - </a:t>
+            </a:r>
+            <a:r>
+              <a:rPr lang="en-US" sz="2600" dirty="0" err="1"/>
+              <a:t>bo</a:t>
+            </a:r>
+            <a:r>
+              <a:rPr lang="en-US" sz="2600" dirty="0"/>
+              <a:t> </a:t>
+            </a:r>
+            <a:r>
+              <a:rPr lang="en-US" sz="2600" dirty="0" err="1"/>
+              <a:t>nie</a:t>
+            </a:r>
+            <a:r>
+              <a:rPr lang="en-US" sz="2600" dirty="0"/>
+              <a:t> </a:t>
+            </a:r>
+            <a:r>
+              <a:rPr lang="en-US" sz="2600" dirty="0" err="1"/>
+              <a:t>zna</a:t>
+            </a:r>
+            <a:r>
+              <a:rPr lang="en-US" sz="2600" dirty="0"/>
+              <a:t> </a:t>
+            </a:r>
+            <a:r>
+              <a:rPr lang="en-US" sz="2600" dirty="0" err="1"/>
+              <a:t>środowiska</a:t>
+            </a:r>
+            <a:r>
+              <a:rPr lang="en-US" sz="2600" dirty="0"/>
+              <a:t> </a:t>
+            </a:r>
+            <a:r>
+              <a:rPr lang="pl-PL" sz="2400" dirty="0">
                 <a:sym typeface="Wingdings" panose="05000000000000000000" pitchFamily="2" charset="2"/>
               </a:rPr>
               <a:t></a:t>
             </a:r>
             <a:r>
-              <a:rPr lang="en-US" sz="2400" b="1">
+              <a:rPr lang="en-US" sz="2400" b="1" dirty="0">
                 <a:sym typeface="Wingdings" panose="05000000000000000000" pitchFamily="2" charset="2"/>
               </a:rPr>
               <a:t>)</a:t>
             </a:r>
-            <a:endParaRPr lang="en-US" sz="2600"/>
+            <a:endParaRPr lang="en-US" sz="2600" dirty="0"/>
           </a:p>
           <a:p>
             <a:pPr marL="1200150" lvl="2" indent="-285750">
@@ -7228,17 +7721,149 @@
               <a:buChar char="•"/>
             </a:pPr>
             <a:r>
-              <a:rPr lang="en-US" sz="2600"/>
-              <a:t>nie kontroluje atakowanego środowiska (zdobycie kontroli wymaga czasu, pracy, pokonania wielu trudności i niesie ze sobą ryzyko wykrycia </a:t>
-            </a:r>
-            <a:r>
-              <a:rPr lang="pl-PL" sz="2400">
+              <a:rPr lang="en-US" sz="2600" dirty="0" err="1"/>
+              <a:t>nie</a:t>
+            </a:r>
+            <a:r>
+              <a:rPr lang="en-US" sz="2600" dirty="0"/>
+              <a:t> </a:t>
+            </a:r>
+            <a:r>
+              <a:rPr lang="en-US" sz="2600" dirty="0" err="1"/>
+              <a:t>kontroluje</a:t>
+            </a:r>
+            <a:r>
+              <a:rPr lang="en-US" sz="2600" dirty="0"/>
+              <a:t> </a:t>
+            </a:r>
+            <a:r>
+              <a:rPr lang="en-US" sz="2600" dirty="0" err="1"/>
+              <a:t>atakowanego</a:t>
+            </a:r>
+            <a:r>
+              <a:rPr lang="en-US" sz="2600" dirty="0"/>
+              <a:t> </a:t>
+            </a:r>
+            <a:r>
+              <a:rPr lang="en-US" sz="2600" dirty="0" err="1"/>
+              <a:t>środowiska</a:t>
+            </a:r>
+            <a:r>
+              <a:rPr lang="en-US" sz="2600" dirty="0"/>
+              <a:t> (</a:t>
+            </a:r>
+            <a:r>
+              <a:rPr lang="en-US" sz="2600" dirty="0" err="1"/>
+              <a:t>zdobycie</a:t>
+            </a:r>
+            <a:r>
+              <a:rPr lang="en-US" sz="2600" dirty="0"/>
+              <a:t> </a:t>
+            </a:r>
+            <a:r>
+              <a:rPr lang="en-US" sz="2600" dirty="0" err="1"/>
+              <a:t>kontroli</a:t>
+            </a:r>
+            <a:r>
+              <a:rPr lang="en-US" sz="2600" dirty="0"/>
+              <a:t> </a:t>
+            </a:r>
+            <a:r>
+              <a:rPr lang="en-US" sz="2600" dirty="0" err="1"/>
+              <a:t>wymaga</a:t>
+            </a:r>
+            <a:r>
+              <a:rPr lang="en-US" sz="2600" dirty="0"/>
+              <a:t> </a:t>
+            </a:r>
+            <a:r>
+              <a:rPr lang="en-US" sz="2600" dirty="0" err="1"/>
+              <a:t>czasu</a:t>
+            </a:r>
+            <a:r>
+              <a:rPr lang="en-US" sz="2600" dirty="0"/>
+              <a:t>, </a:t>
+            </a:r>
+            <a:r>
+              <a:rPr lang="en-US" sz="2600" dirty="0" err="1"/>
+              <a:t>pracy</a:t>
+            </a:r>
+            <a:r>
+              <a:rPr lang="en-US" sz="2600" dirty="0"/>
+              <a:t>, </a:t>
+            </a:r>
+            <a:r>
+              <a:rPr lang="en-US" sz="2600" dirty="0" err="1"/>
+              <a:t>pokonania</a:t>
+            </a:r>
+            <a:r>
+              <a:rPr lang="en-US" sz="2600" dirty="0"/>
+              <a:t> </a:t>
+            </a:r>
+            <a:r>
+              <a:rPr lang="en-US" sz="2600" dirty="0" err="1"/>
+              <a:t>wielu</a:t>
+            </a:r>
+            <a:r>
+              <a:rPr lang="en-US" sz="2600" dirty="0"/>
+              <a:t> </a:t>
+            </a:r>
+            <a:r>
+              <a:rPr lang="en-US" sz="2600" dirty="0" err="1"/>
+              <a:t>trudności</a:t>
+            </a:r>
+            <a:r>
+              <a:rPr lang="en-US" sz="2600" dirty="0"/>
+              <a:t> </a:t>
+            </a:r>
+            <a:r>
+              <a:rPr lang="en-US" sz="2600" dirty="0" err="1"/>
+              <a:t>i</a:t>
+            </a:r>
+            <a:r>
+              <a:rPr lang="en-US" sz="2600" dirty="0"/>
+              <a:t> </a:t>
+            </a:r>
+            <a:r>
+              <a:rPr lang="en-US" sz="2600" dirty="0" err="1"/>
+              <a:t>niesie</a:t>
+            </a:r>
+            <a:r>
+              <a:rPr lang="en-US" sz="2600" dirty="0"/>
+              <a:t> ze </a:t>
+            </a:r>
+            <a:r>
+              <a:rPr lang="en-US" sz="2600" dirty="0" err="1"/>
+              <a:t>sobą</a:t>
+            </a:r>
+            <a:r>
+              <a:rPr lang="en-US" sz="2600" dirty="0"/>
+              <a:t> </a:t>
+            </a:r>
+            <a:r>
+              <a:rPr lang="en-US" sz="2600" dirty="0" err="1"/>
+              <a:t>ryzyko</a:t>
+            </a:r>
+            <a:r>
+              <a:rPr lang="en-US" sz="2600" dirty="0"/>
+              <a:t> </a:t>
+            </a:r>
+            <a:r>
+              <a:rPr lang="en-US" sz="2600" dirty="0" err="1"/>
+              <a:t>wykrycia</a:t>
+            </a:r>
+            <a:r>
+              <a:rPr lang="en-US" sz="2600" dirty="0"/>
+              <a:t> </a:t>
+            </a:r>
+            <a:r>
+              <a:rPr lang="pl-PL" sz="2400" dirty="0">
                 <a:sym typeface="Wingdings" panose="05000000000000000000" pitchFamily="2" charset="2"/>
               </a:rPr>
               <a:t></a:t>
             </a:r>
             <a:r>
-              <a:rPr lang="en-US" sz="2600"/>
+              <a:rPr lang="en-US" sz="2600" dirty="0"/>
               <a:t>)</a:t>
             </a:r>
           </a:p>
@@ -7247,7 +7872,7 @@
               <a:buFont typeface="Arial" panose="020B0604020202020204" pitchFamily="34" charset="0"/>
               <a:buChar char="•"/>
             </a:pPr>
-            <a:endParaRPr lang="en-US" sz="2600"/>
+            <a:endParaRPr lang="en-US" sz="2600" dirty="0"/>
           </a:p>
         </p:txBody>
       </p:sp>
@@ -7343,7 +7968,7 @@
         <p:spPr>
           <a:xfrm>
             <a:off x="550450" y="1608672"/>
-            <a:ext cx="11446625" cy="4031873"/>
+            <a:ext cx="11446625" cy="4431983"/>
           </a:xfrm>
           <a:prstGeom prst="rect">
             <a:avLst/>
@@ -7360,8 +7985,44 @@
               <a:buChar char="•"/>
             </a:pPr>
             <a:r>
-              <a:rPr lang="en-US" sz="2600"/>
-              <a:t>Czynniki działające na korzyść broniącego:</a:t>
+              <a:rPr lang="en-US" sz="2600" dirty="0" err="1"/>
+              <a:t>Czynniki</a:t>
+            </a:r>
+            <a:r>
+              <a:rPr lang="en-US" sz="2600" dirty="0"/>
+              <a:t> </a:t>
+            </a:r>
+            <a:r>
+              <a:rPr lang="en-US" sz="2600" dirty="0" err="1"/>
+              <a:t>działające</a:t>
+            </a:r>
+            <a:r>
+              <a:rPr lang="en-US" sz="2600" dirty="0"/>
+              <a:t> </a:t>
+            </a:r>
+            <a:r>
+              <a:rPr lang="en-US" sz="2600" dirty="0" err="1"/>
+              <a:t>na</a:t>
+            </a:r>
+            <a:r>
+              <a:rPr lang="en-US" sz="2600" dirty="0"/>
+              <a:t> </a:t>
+            </a:r>
+            <a:r>
+              <a:rPr lang="en-US" sz="2600" dirty="0" err="1"/>
+              <a:t>korzyść</a:t>
+            </a:r>
+            <a:r>
+              <a:rPr lang="en-US" sz="2600" dirty="0"/>
+              <a:t> </a:t>
+            </a:r>
+            <a:r>
+              <a:rPr lang="en-US" sz="2600" dirty="0" err="1"/>
+              <a:t>broniącego</a:t>
+            </a:r>
+            <a:r>
+              <a:rPr lang="en-US" sz="2600" dirty="0"/>
+              <a:t>:</a:t>
             </a:r>
           </a:p>
           <a:p>
@@ -7370,9 +8031,18 @@
               <a:buChar char="•"/>
             </a:pPr>
             <a:r>
-              <a:rPr lang="en-US" sz="2600"/>
-              <a:t>zna środowisko</a:t>
-            </a:r>
+              <a:rPr lang="en-US" sz="2600" dirty="0" err="1"/>
+              <a:t>zna</a:t>
+            </a:r>
+            <a:r>
+              <a:rPr lang="en-US" sz="2600" dirty="0"/>
+              <a:t> </a:t>
+            </a:r>
+            <a:r>
+              <a:rPr lang="en-US" sz="2600" dirty="0" err="1"/>
+              <a:t>środowisko</a:t>
+            </a:r>
+            <a:endParaRPr lang="en-US" sz="2600" dirty="0"/>
           </a:p>
           <a:p>
             <a:pPr marL="1200150" lvl="2" indent="-285750">
@@ -7380,9 +8050,18 @@
               <a:buChar char="•"/>
             </a:pPr>
             <a:r>
-              <a:rPr lang="en-US" sz="2600"/>
-              <a:t>kontroluje środowisko</a:t>
-            </a:r>
+              <a:rPr lang="en-US" sz="2600" dirty="0" err="1"/>
+              <a:t>kontroluje</a:t>
+            </a:r>
+            <a:r>
+              <a:rPr lang="en-US" sz="2600" dirty="0"/>
+              <a:t> </a:t>
+            </a:r>
+            <a:r>
+              <a:rPr lang="en-US" sz="2600" dirty="0" err="1"/>
+              <a:t>środowisko</a:t>
+            </a:r>
+            <a:endParaRPr lang="en-US" sz="2600" dirty="0"/>
           </a:p>
           <a:p>
             <a:pPr marL="1200150" lvl="2" indent="-285750">
@@ -7390,16 +8069,76 @@
               <a:buChar char="•"/>
             </a:pPr>
             <a:r>
-              <a:rPr lang="en-US" sz="2600"/>
-              <a:t>przeważnie ma po swojej stronie wymiar sprawiedliwości i akceptację społeczną </a:t>
-            </a:r>
-            <a:r>
-              <a:rPr lang="pl-PL" sz="2800">
+              <a:rPr lang="en-US" sz="2600" dirty="0" err="1"/>
+              <a:t>przeważnie</a:t>
+            </a:r>
+            <a:r>
+              <a:rPr lang="en-US" sz="2600" dirty="0"/>
+              <a:t> ma po </a:t>
+            </a:r>
+            <a:r>
+              <a:rPr lang="en-US" sz="2600" dirty="0" err="1"/>
+              <a:t>swojej</a:t>
+            </a:r>
+            <a:r>
+              <a:rPr lang="en-US" sz="2600" dirty="0"/>
+              <a:t> </a:t>
+            </a:r>
+            <a:r>
+              <a:rPr lang="en-US" sz="2600" dirty="0" err="1"/>
+              <a:t>stronie</a:t>
+            </a:r>
+            <a:r>
+              <a:rPr lang="en-US" sz="2600" dirty="0"/>
+              <a:t> </a:t>
+            </a:r>
+            <a:r>
+              <a:rPr lang="en-US" sz="2600" dirty="0" err="1"/>
+              <a:t>wymiar</a:t>
+            </a:r>
+            <a:r>
+              <a:rPr lang="en-US" sz="2600" dirty="0"/>
+              <a:t> </a:t>
+            </a:r>
+            <a:r>
+              <a:rPr lang="en-US" sz="2600" dirty="0" err="1"/>
+              <a:t>sprawiedliwości</a:t>
+            </a:r>
+            <a:r>
+              <a:rPr lang="en-US" sz="2600" dirty="0"/>
+              <a:t> </a:t>
+            </a:r>
+            <a:r>
+              <a:rPr lang="en-US" sz="2600" dirty="0" err="1"/>
+              <a:t>i</a:t>
+            </a:r>
+            <a:r>
+              <a:rPr lang="en-US" sz="2600" dirty="0"/>
+              <a:t> </a:t>
+            </a:r>
+            <a:r>
+              <a:rPr lang="en-US" sz="2600" dirty="0" err="1"/>
+              <a:t>akceptację</a:t>
+            </a:r>
+            <a:r>
+              <a:rPr lang="en-US" sz="2600" dirty="0"/>
+              <a:t> </a:t>
+            </a:r>
+            <a:r>
+              <a:rPr lang="en-US" sz="2600" dirty="0" err="1"/>
+              <a:t>społeczną</a:t>
+            </a:r>
+            <a:r>
+              <a:rPr lang="en-US" sz="2600" dirty="0"/>
+              <a:t> </a:t>
+            </a:r>
+            <a:r>
+              <a:rPr lang="pl-PL" sz="2800" dirty="0">
                 <a:sym typeface="Wingdings" panose="05000000000000000000" pitchFamily="2" charset="2"/>
               </a:rPr>
               <a:t></a:t>
             </a:r>
-            <a:endParaRPr lang="en-US" sz="2600" b="1"/>
+            <a:endParaRPr lang="en-US" sz="2600" b="1" dirty="0"/>
           </a:p>
           <a:p>
             <a:pPr marL="742950" lvl="1" indent="-285750">
@@ -7407,8 +8146,44 @@
               <a:buChar char="•"/>
             </a:pPr>
             <a:r>
-              <a:rPr lang="en-US" sz="2600"/>
-              <a:t>Czynnniki działające na niekorzyść broniącego:</a:t>
+              <a:rPr lang="en-US" sz="2600" dirty="0" err="1"/>
+              <a:t>Czynnniki</a:t>
+            </a:r>
+            <a:r>
+              <a:rPr lang="en-US" sz="2600" dirty="0"/>
+              <a:t> </a:t>
+            </a:r>
+            <a:r>
+              <a:rPr lang="en-US" sz="2600" dirty="0" err="1"/>
+              <a:t>działające</a:t>
+            </a:r>
+            <a:r>
+              <a:rPr lang="en-US" sz="2600" dirty="0"/>
+              <a:t> </a:t>
+            </a:r>
+            <a:r>
+              <a:rPr lang="en-US" sz="2600" dirty="0" err="1"/>
+              <a:t>na</a:t>
+            </a:r>
+            <a:r>
+              <a:rPr lang="en-US" sz="2600" dirty="0"/>
+              <a:t> </a:t>
+            </a:r>
+            <a:r>
+              <a:rPr lang="en-US" sz="2600" dirty="0" err="1"/>
+              <a:t>niekorzyść</a:t>
+            </a:r>
+            <a:r>
+              <a:rPr lang="en-US" sz="2600" dirty="0"/>
+              <a:t> </a:t>
+            </a:r>
+            <a:r>
+              <a:rPr lang="en-US" sz="2600" dirty="0" err="1"/>
+              <a:t>broniącego</a:t>
+            </a:r>
+            <a:r>
+              <a:rPr lang="en-US" sz="2600" dirty="0"/>
+              <a:t>:</a:t>
             </a:r>
           </a:p>
           <a:p>
@@ -7417,9 +8192,42 @@
               <a:buChar char="•"/>
             </a:pPr>
             <a:r>
-              <a:rPr lang="en-US" sz="2600"/>
-              <a:t>nie wie, kiedy nastąpi atak</a:t>
-            </a:r>
+              <a:rPr lang="en-US" sz="2600" dirty="0" err="1"/>
+              <a:t>nie</a:t>
+            </a:r>
+            <a:r>
+              <a:rPr lang="en-US" sz="2600" dirty="0"/>
+              <a:t> </a:t>
+            </a:r>
+            <a:r>
+              <a:rPr lang="en-US" sz="2600" dirty="0" err="1"/>
+              <a:t>wie</a:t>
+            </a:r>
+            <a:r>
+              <a:rPr lang="en-US" sz="2600" dirty="0"/>
+              <a:t>, </a:t>
+            </a:r>
+            <a:r>
+              <a:rPr lang="en-US" sz="2600" dirty="0" err="1"/>
+              <a:t>kiedy</a:t>
+            </a:r>
+            <a:r>
+              <a:rPr lang="en-US" sz="2600" dirty="0"/>
+              <a:t> </a:t>
+            </a:r>
+            <a:r>
+              <a:rPr lang="en-US" sz="2600" dirty="0" err="1"/>
+              <a:t>nastąpi</a:t>
+            </a:r>
+            <a:r>
+              <a:rPr lang="en-US" sz="2600" dirty="0"/>
+              <a:t> </a:t>
+            </a:r>
+            <a:r>
+              <a:rPr lang="en-US" sz="2600" dirty="0" err="1"/>
+              <a:t>atak</a:t>
+            </a:r>
+            <a:endParaRPr lang="en-US" sz="2600" dirty="0"/>
           </a:p>
           <a:p>
             <a:pPr marL="1200150" lvl="2" indent="-285750">
@@ -7427,9 +8235,38 @@
               <a:buChar char="•"/>
             </a:pPr>
             <a:r>
-              <a:rPr lang="en-US" sz="2600"/>
-              <a:t>nie zna wektoru ataku</a:t>
-            </a:r>
+              <a:rPr lang="en-US" sz="2600" dirty="0" err="1"/>
+              <a:t>nie</a:t>
+            </a:r>
+            <a:r>
+              <a:rPr lang="en-US" sz="2600" dirty="0"/>
+              <a:t> </a:t>
+            </a:r>
+            <a:r>
+              <a:rPr lang="en-US" sz="2600" dirty="0" err="1"/>
+              <a:t>zna</a:t>
+            </a:r>
+            <a:r>
+              <a:rPr lang="en-US" sz="2600" dirty="0"/>
+              <a:t> </a:t>
+            </a:r>
+            <a:r>
+              <a:rPr lang="en-US" sz="2600" dirty="0" err="1"/>
+              <a:t>wektor</a:t>
+            </a:r>
+            <a:r>
+              <a:rPr lang="pl-PL" sz="2600" dirty="0"/>
+              <a:t>a</a:t>
+            </a:r>
+            <a:r>
+              <a:rPr lang="en-US" sz="2600" dirty="0"/>
+              <a:t> </a:t>
+            </a:r>
+            <a:r>
+              <a:rPr lang="en-US" sz="2600" dirty="0" err="1"/>
+              <a:t>ataku</a:t>
+            </a:r>
+            <a:endParaRPr lang="pl-PL" sz="2600" dirty="0"/>
           </a:p>
           <a:p>
             <a:pPr marL="1200150" lvl="2" indent="-285750">
@@ -7437,28 +8274,75 @@
               <a:buChar char="•"/>
             </a:pPr>
             <a:r>
-              <a:rPr lang="en-US" sz="2600" b="1"/>
-              <a:t>skuteczny </a:t>
-            </a:r>
-            <a:r>
-              <a:rPr lang="en-US" sz="2600"/>
+              <a:rPr lang="pl-PL" sz="2600" dirty="0"/>
+              <a:t>sukces to brak porażki – konieczność obrony przed </a:t>
+            </a:r>
+            <a:r>
+              <a:rPr lang="pl-PL" sz="2600" b="1" dirty="0"/>
+              <a:t>wszystkimi</a:t>
+            </a:r>
+            <a:r>
+              <a:rPr lang="pl-PL" sz="2600" dirty="0"/>
+              <a:t> atakami</a:t>
+            </a:r>
+          </a:p>
+          <a:p>
+            <a:pPr marL="1200150" lvl="2" indent="-285750">
+              <a:buFont typeface="Arial" panose="020B0604020202020204" pitchFamily="34" charset="0"/>
+              <a:buChar char="•"/>
+            </a:pPr>
+            <a:r>
+              <a:rPr lang="en-US" sz="2600" b="1" dirty="0" err="1"/>
+              <a:t>skuteczny</a:t>
+            </a:r>
+            <a:r>
+              <a:rPr lang="en-US" sz="2600" b="1" dirty="0"/>
+              <a:t> </a:t>
+            </a:r>
+            <a:r>
+              <a:rPr lang="en-US" sz="2600" dirty="0" err="1"/>
               <a:t>broniący</a:t>
             </a:r>
             <a:r>
-              <a:rPr lang="en-US" sz="2600" b="1"/>
+              <a:rPr lang="en-US" sz="2600" b="1" dirty="0"/>
               <a:t> MUSI </a:t>
             </a:r>
             <a:r>
-              <a:rPr lang="en-US" sz="2600"/>
-              <a:t>mieć znajomość sztuki ofensywy</a:t>
-            </a:r>
+              <a:rPr lang="en-US" sz="2600" dirty="0" err="1"/>
+              <a:t>mieć</a:t>
+            </a:r>
+            <a:r>
+              <a:rPr lang="en-US" sz="2600" dirty="0"/>
+              <a:t> </a:t>
+            </a:r>
+            <a:r>
+              <a:rPr lang="en-US" sz="2600" dirty="0" err="1"/>
+              <a:t>znajomość</a:t>
+            </a:r>
+            <a:r>
+              <a:rPr lang="en-US" sz="2600" dirty="0"/>
+              <a:t> </a:t>
+            </a:r>
+            <a:r>
+              <a:rPr lang="en-US" sz="2600" dirty="0" err="1"/>
+              <a:t>sztuki</a:t>
+            </a:r>
+            <a:r>
+              <a:rPr lang="en-US" sz="2600" dirty="0"/>
+              <a:t> </a:t>
+            </a:r>
+            <a:r>
+              <a:rPr lang="en-US" sz="2600" dirty="0" err="1"/>
+              <a:t>ofensywy</a:t>
+            </a:r>
+            <a:endParaRPr lang="en-US" sz="2600" dirty="0"/>
           </a:p>
           <a:p>
             <a:pPr marL="1200150" lvl="2" indent="-285750">
               <a:buFont typeface="Arial" panose="020B0604020202020204" pitchFamily="34" charset="0"/>
               <a:buChar char="•"/>
             </a:pPr>
-            <a:endParaRPr lang="en-US" sz="2600"/>
+            <a:endParaRPr lang="en-US" sz="2600" dirty="0"/>
           </a:p>
         </p:txBody>
       </p:sp>
@@ -8025,7 +8909,9 @@
           </a:xfrm>
         </p:spPr>
         <p:txBody>
-          <a:bodyPr/>
+          <a:bodyPr>
+            <a:normAutofit fontScale="90000"/>
+          </a:bodyPr>
           <a:lstStyle/>
           <a:p>
             <a:pPr algn="ctr">
@@ -8420,7 +9306,9 @@
           </a:xfrm>
         </p:spPr>
         <p:txBody>
-          <a:bodyPr/>
+          <a:bodyPr>
+            <a:normAutofit fontScale="90000"/>
+          </a:bodyPr>
           <a:lstStyle/>
           <a:p>
             <a:pPr algn="ctr">
@@ -8712,7 +9600,9 @@
           </a:xfrm>
         </p:spPr>
         <p:txBody>
-          <a:bodyPr/>
+          <a:bodyPr>
+            <a:normAutofit fontScale="90000"/>
+          </a:bodyPr>
           <a:lstStyle/>
           <a:p>
             <a:pPr algn="ctr">
@@ -9025,7 +9915,9 @@
           </a:xfrm>
         </p:spPr>
         <p:txBody>
-          <a:bodyPr/>
+          <a:bodyPr>
+            <a:normAutofit fontScale="90000"/>
+          </a:bodyPr>
           <a:lstStyle/>
           <a:p>
             <a:pPr algn="ctr">
@@ -9079,7 +9971,7 @@
         <p:spPr bwMode="auto">
           <a:xfrm>
             <a:off x="776654" y="1657558"/>
-            <a:ext cx="10638692" cy="4524315"/>
+            <a:ext cx="10638692" cy="5078313"/>
           </a:xfrm>
           <a:prstGeom prst="rect">
             <a:avLst/>
@@ -9311,8 +10203,29 @@
             </a:r>
             <a:r>
               <a:rPr lang="en-US" altLang="en-US" sz="3600" dirty="0"/>
-              <a:t> to rootkit)</a:t>
-            </a:r>
+              <a:t> to rootkit</a:t>
+            </a:r>
+            <a:r>
+              <a:rPr lang="pl-PL" altLang="en-US" sz="3600" dirty="0"/>
+              <a:t> - </a:t>
+            </a:r>
+            <a:r>
+              <a:rPr lang="pl-PL" altLang="en-US" sz="3600" dirty="0">
+                <a:hlinkClick r:id="rId2"/>
+              </a:rPr>
+              <a:t>https://nostarch.com</a:t>
+            </a:r>
+            <a:r>
+              <a:rPr lang="pl-PL" altLang="en-US" sz="3600">
+                <a:hlinkClick r:id="rId2"/>
+              </a:rPr>
+              <a:t>/rootkits</a:t>
+            </a:r>
+            <a:r>
+              <a:rPr lang="en-US" altLang="en-US" sz="3600"/>
+              <a:t>)</a:t>
+            </a:r>
+            <a:endParaRPr lang="en-US" altLang="en-US" sz="3600" dirty="0"/>
           </a:p>
         </p:txBody>
       </p:sp>
@@ -9572,8 +10485,52 @@
           </a:lstStyle>
           <a:p>
             <a:r>
-              <a:rPr lang="en-US" altLang="en-US" sz="2541"/>
-              <a:t>Funkcję backdoora może pełnić na przykład:</a:t>
+              <a:rPr lang="en-US" altLang="en-US" sz="2541" dirty="0" err="1"/>
+              <a:t>Funkcję</a:t>
+            </a:r>
+            <a:r>
+              <a:rPr lang="en-US" altLang="en-US" sz="2541" dirty="0"/>
+              <a:t> </a:t>
+            </a:r>
+            <a:r>
+              <a:rPr lang="en-US" altLang="en-US" sz="2541" dirty="0" err="1"/>
+              <a:t>backdoora</a:t>
+            </a:r>
+            <a:r>
+              <a:rPr lang="en-US" altLang="en-US" sz="2541" dirty="0"/>
+              <a:t> </a:t>
+            </a:r>
+            <a:r>
+              <a:rPr lang="en-US" altLang="en-US" sz="2541" dirty="0" err="1"/>
+              <a:t>może</a:t>
+            </a:r>
+            <a:r>
+              <a:rPr lang="en-US" altLang="en-US" sz="2541" dirty="0"/>
+              <a:t> </a:t>
+            </a:r>
+            <a:r>
+              <a:rPr lang="en-US" altLang="en-US" sz="2541" dirty="0" err="1"/>
+              <a:t>pełnić</a:t>
+            </a:r>
+            <a:r>
+              <a:rPr lang="en-US" altLang="en-US" sz="2541" dirty="0"/>
+              <a:t> </a:t>
+            </a:r>
+            <a:r>
+              <a:rPr lang="en-US" altLang="en-US" sz="2541" dirty="0" err="1"/>
+              <a:t>na</a:t>
+            </a:r>
+            <a:r>
+              <a:rPr lang="en-US" altLang="en-US" sz="2541" dirty="0"/>
+              <a:t> </a:t>
+            </a:r>
+            <a:r>
+              <a:rPr lang="en-US" altLang="en-US" sz="2541" dirty="0" err="1"/>
+              <a:t>przykład</a:t>
+            </a:r>
+            <a:r>
+              <a:rPr lang="en-US" altLang="en-US" sz="2541" dirty="0"/>
+              <a:t>:</a:t>
             </a:r>
           </a:p>
           <a:p>
@@ -9582,8 +10539,36 @@
               <a:buChar char="•"/>
             </a:pPr>
             <a:r>
-              <a:rPr lang="en-US" altLang="en-US" sz="2541"/>
-              <a:t>zainstalowany w systemie malware (RAT/koń trojański, rootkit)</a:t>
+              <a:rPr lang="en-US" altLang="en-US" sz="2541" dirty="0" err="1"/>
+              <a:t>zainstalowany</a:t>
+            </a:r>
+            <a:r>
+              <a:rPr lang="en-US" altLang="en-US" sz="2541" dirty="0"/>
+              <a:t> w </a:t>
+            </a:r>
+            <a:r>
+              <a:rPr lang="en-US" altLang="en-US" sz="2541" dirty="0" err="1"/>
+              <a:t>systemie</a:t>
+            </a:r>
+            <a:r>
+              <a:rPr lang="en-US" altLang="en-US" sz="2541" dirty="0"/>
+              <a:t> malware (RAT/</a:t>
+            </a:r>
+            <a:r>
+              <a:rPr lang="en-US" altLang="en-US" sz="2541" dirty="0" err="1"/>
+              <a:t>koń</a:t>
+            </a:r>
+            <a:r>
+              <a:rPr lang="en-US" altLang="en-US" sz="2541" dirty="0"/>
+              <a:t> </a:t>
+            </a:r>
+            <a:r>
+              <a:rPr lang="en-US" altLang="en-US" sz="2541" dirty="0" err="1"/>
+              <a:t>trojański</a:t>
+            </a:r>
+            <a:r>
+              <a:rPr lang="en-US" altLang="en-US" sz="2541" dirty="0"/>
+              <a:t>, rootkit)</a:t>
             </a:r>
           </a:p>
           <a:p>
@@ -9592,8 +10577,44 @@
               <a:buChar char="•"/>
             </a:pPr>
             <a:r>
-              <a:rPr lang="en-US" altLang="en-US" sz="2541"/>
-              <a:t>drobna modyfikacja systemu, w wyniku której:</a:t>
+              <a:rPr lang="en-US" altLang="en-US" sz="2541" dirty="0" err="1"/>
+              <a:t>drobna</a:t>
+            </a:r>
+            <a:r>
+              <a:rPr lang="en-US" altLang="en-US" sz="2541" dirty="0"/>
+              <a:t> </a:t>
+            </a:r>
+            <a:r>
+              <a:rPr lang="en-US" altLang="en-US" sz="2541" dirty="0" err="1"/>
+              <a:t>modyfikacja</a:t>
+            </a:r>
+            <a:r>
+              <a:rPr lang="en-US" altLang="en-US" sz="2541" dirty="0"/>
+              <a:t> </a:t>
+            </a:r>
+            <a:r>
+              <a:rPr lang="en-US" altLang="en-US" sz="2541" dirty="0" err="1"/>
+              <a:t>systemu</a:t>
+            </a:r>
+            <a:r>
+              <a:rPr lang="en-US" altLang="en-US" sz="2541" dirty="0"/>
+              <a:t>, w </a:t>
+            </a:r>
+            <a:r>
+              <a:rPr lang="en-US" altLang="en-US" sz="2541" dirty="0" err="1"/>
+              <a:t>wyniku</a:t>
+            </a:r>
+            <a:r>
+              <a:rPr lang="en-US" altLang="en-US" sz="2541" dirty="0"/>
+              <a:t> </a:t>
+            </a:r>
+            <a:r>
+              <a:rPr lang="en-US" altLang="en-US" sz="2541" dirty="0" err="1"/>
+              <a:t>której</a:t>
+            </a:r>
+            <a:r>
+              <a:rPr lang="en-US" altLang="en-US" sz="2541" dirty="0"/>
+              <a:t>:</a:t>
             </a:r>
           </a:p>
           <a:p>
@@ -9602,8 +10623,120 @@
               <a:buChar char="•"/>
             </a:pPr>
             <a:r>
-              <a:rPr lang="en-US" altLang="en-US" sz="2541"/>
-              <a:t>bieżące hasła prawowitych użytkowników są przechwytywane i 	udostępniane atakującemu (praktyczna funkcjonalność keyloggera)/emaile będą forwardowane (malicious rule)</a:t>
+              <a:rPr lang="en-US" altLang="en-US" sz="2541" dirty="0" err="1"/>
+              <a:t>bieżące</a:t>
+            </a:r>
+            <a:r>
+              <a:rPr lang="en-US" altLang="en-US" sz="2541" dirty="0"/>
+              <a:t> </a:t>
+            </a:r>
+            <a:r>
+              <a:rPr lang="en-US" altLang="en-US" sz="2541" dirty="0" err="1"/>
+              <a:t>hasła</a:t>
+            </a:r>
+            <a:r>
+              <a:rPr lang="en-US" altLang="en-US" sz="2541" dirty="0"/>
+              <a:t> </a:t>
+            </a:r>
+            <a:r>
+              <a:rPr lang="en-US" altLang="en-US" sz="2541" dirty="0" err="1"/>
+              <a:t>prawowitych</a:t>
+            </a:r>
+            <a:r>
+              <a:rPr lang="en-US" altLang="en-US" sz="2541" dirty="0"/>
+              <a:t> </a:t>
+            </a:r>
+            <a:r>
+              <a:rPr lang="en-US" altLang="en-US" sz="2541" dirty="0" err="1"/>
+              <a:t>użytkowników</a:t>
+            </a:r>
+            <a:r>
+              <a:rPr lang="en-US" altLang="en-US" sz="2541" dirty="0"/>
+              <a:t> </a:t>
+            </a:r>
+            <a:r>
+              <a:rPr lang="en-US" altLang="en-US" sz="2541" dirty="0" err="1"/>
+              <a:t>są</a:t>
+            </a:r>
+            <a:r>
+              <a:rPr lang="en-US" altLang="en-US" sz="2541" dirty="0"/>
+              <a:t> </a:t>
+            </a:r>
+            <a:r>
+              <a:rPr lang="en-US" altLang="en-US" sz="2541" dirty="0" err="1"/>
+              <a:t>przechwytywane</a:t>
+            </a:r>
+            <a:r>
+              <a:rPr lang="en-US" altLang="en-US" sz="2541" dirty="0"/>
+              <a:t> I</a:t>
+            </a:r>
+            <a:r>
+              <a:rPr lang="pl-PL" altLang="en-US" sz="2541" dirty="0"/>
+              <a:t> </a:t>
+            </a:r>
+            <a:r>
+              <a:rPr lang="en-US" altLang="en-US" sz="2541" dirty="0" err="1"/>
+              <a:t>udostępniane</a:t>
+            </a:r>
+            <a:r>
+              <a:rPr lang="en-US" altLang="en-US" sz="2541" dirty="0"/>
+              <a:t> </a:t>
+            </a:r>
+            <a:r>
+              <a:rPr lang="en-US" altLang="en-US" sz="2541" dirty="0" err="1"/>
+              <a:t>atakującemu</a:t>
+            </a:r>
+            <a:r>
+              <a:rPr lang="en-US" altLang="en-US" sz="2541" dirty="0"/>
+              <a:t> (</a:t>
+            </a:r>
+            <a:r>
+              <a:rPr lang="en-US" altLang="en-US" sz="2541" dirty="0" err="1"/>
+              <a:t>praktyczna</a:t>
+            </a:r>
+            <a:r>
+              <a:rPr lang="en-US" altLang="en-US" sz="2541" dirty="0"/>
+              <a:t> </a:t>
+            </a:r>
+            <a:r>
+              <a:rPr lang="en-US" altLang="en-US" sz="2541" dirty="0" err="1"/>
+              <a:t>funkcjonalność</a:t>
+            </a:r>
+            <a:r>
+              <a:rPr lang="en-US" altLang="en-US" sz="2541" dirty="0"/>
+              <a:t> </a:t>
+            </a:r>
+            <a:r>
+              <a:rPr lang="en-US" altLang="en-US" sz="2541" dirty="0" err="1"/>
+              <a:t>keyloggera</a:t>
+            </a:r>
+            <a:r>
+              <a:rPr lang="en-US" altLang="en-US" sz="2541" dirty="0"/>
+              <a:t>)/</a:t>
+            </a:r>
+            <a:r>
+              <a:rPr lang="en-US" altLang="en-US" sz="2541" dirty="0" err="1"/>
+              <a:t>emaile</a:t>
+            </a:r>
+            <a:r>
+              <a:rPr lang="en-US" altLang="en-US" sz="2541" dirty="0"/>
+              <a:t> </a:t>
+            </a:r>
+            <a:r>
+              <a:rPr lang="en-US" altLang="en-US" sz="2541" dirty="0" err="1"/>
+              <a:t>będą</a:t>
+            </a:r>
+            <a:r>
+              <a:rPr lang="en-US" altLang="en-US" sz="2541" dirty="0"/>
+              <a:t> </a:t>
+            </a:r>
+            <a:r>
+              <a:rPr lang="en-US" altLang="en-US" sz="2541" dirty="0" err="1"/>
+              <a:t>forwardowane</a:t>
+            </a:r>
+            <a:r>
+              <a:rPr lang="en-US" altLang="en-US" sz="2541" dirty="0"/>
+              <a:t> (malicious rule)</a:t>
             </a:r>
           </a:p>
           <a:p>
@@ -9612,9 +10745,102 @@
               <a:buChar char="•"/>
             </a:pPr>
             <a:r>
-              <a:rPr lang="en-US" altLang="en-US" sz="2541"/>
-              <a:t> kontrola dostępu działa niezgodnie z przeznaczeniem, dając poszerzony 	dostęp mimo braku odpowiednich  poświadczeń</a:t>
-            </a:r>
+              <a:rPr lang="en-US" altLang="en-US" sz="2541" dirty="0"/>
+              <a:t> </a:t>
+            </a:r>
+            <a:r>
+              <a:rPr lang="en-US" altLang="en-US" sz="2541" dirty="0" err="1"/>
+              <a:t>kontrola</a:t>
+            </a:r>
+            <a:r>
+              <a:rPr lang="en-US" altLang="en-US" sz="2541" dirty="0"/>
+              <a:t> </a:t>
+            </a:r>
+            <a:r>
+              <a:rPr lang="en-US" altLang="en-US" sz="2541" dirty="0" err="1"/>
+              <a:t>dostępu</a:t>
+            </a:r>
+            <a:r>
+              <a:rPr lang="en-US" altLang="en-US" sz="2541" dirty="0"/>
+              <a:t> </a:t>
+            </a:r>
+            <a:r>
+              <a:rPr lang="en-US" altLang="en-US" sz="2541" dirty="0" err="1"/>
+              <a:t>działa</a:t>
+            </a:r>
+            <a:r>
+              <a:rPr lang="en-US" altLang="en-US" sz="2541" dirty="0"/>
+              <a:t> </a:t>
+            </a:r>
+            <a:r>
+              <a:rPr lang="en-US" altLang="en-US" sz="2541" dirty="0" err="1"/>
+              <a:t>niezgodnie</a:t>
+            </a:r>
+            <a:r>
+              <a:rPr lang="en-US" altLang="en-US" sz="2541" dirty="0"/>
+              <a:t> z </a:t>
+            </a:r>
+            <a:r>
+              <a:rPr lang="en-US" altLang="en-US" sz="2541" dirty="0" err="1"/>
+              <a:t>przeznaczeniem</a:t>
+            </a:r>
+            <a:r>
+              <a:rPr lang="en-US" altLang="en-US" sz="2541" dirty="0"/>
+              <a:t>, </a:t>
+            </a:r>
+            <a:r>
+              <a:rPr lang="en-US" altLang="en-US" sz="2541" dirty="0" err="1"/>
+              <a:t>dając</a:t>
+            </a:r>
+            <a:r>
+              <a:rPr lang="en-US" altLang="en-US" sz="2541" dirty="0"/>
+              <a:t> </a:t>
+            </a:r>
+            <a:r>
+              <a:rPr lang="en-US" altLang="en-US" sz="2541" dirty="0" err="1"/>
+              <a:t>poszerzony</a:t>
+            </a:r>
+            <a:r>
+              <a:rPr lang="pl-PL" altLang="en-US" sz="2541" dirty="0"/>
+              <a:t> </a:t>
+            </a:r>
+            <a:r>
+              <a:rPr lang="en-US" altLang="en-US" sz="2541" dirty="0" err="1"/>
+              <a:t>dostęp</a:t>
+            </a:r>
+            <a:r>
+              <a:rPr lang="en-US" altLang="en-US" sz="2541" dirty="0"/>
+              <a:t> </a:t>
+            </a:r>
+            <a:r>
+              <a:rPr lang="en-US" altLang="en-US" sz="2541" dirty="0" err="1"/>
+              <a:t>mimo</a:t>
+            </a:r>
+            <a:r>
+              <a:rPr lang="en-US" altLang="en-US" sz="2541" dirty="0"/>
+              <a:t> </a:t>
+            </a:r>
+            <a:r>
+              <a:rPr lang="en-US" altLang="en-US" sz="2541" dirty="0" err="1"/>
+              <a:t>braku</a:t>
+            </a:r>
+            <a:r>
+              <a:rPr lang="en-US" altLang="en-US" sz="2541" dirty="0"/>
+              <a:t> </a:t>
+            </a:r>
+            <a:r>
+              <a:rPr lang="en-US" altLang="en-US" sz="2541" dirty="0" err="1"/>
+              <a:t>odpowiednich</a:t>
+            </a:r>
+            <a:r>
+              <a:rPr lang="en-US" altLang="en-US" sz="2541" dirty="0"/>
+              <a:t>  </a:t>
+            </a:r>
+            <a:r>
+              <a:rPr lang="en-US" altLang="en-US" sz="2541" dirty="0" err="1"/>
+              <a:t>poświadczeń</a:t>
+            </a:r>
+            <a:endParaRPr lang="en-US" altLang="en-US" sz="2541" dirty="0"/>
           </a:p>
           <a:p>
             <a:pPr marL="457200" indent="-457200">
@@ -9622,8 +10848,100 @@
               <a:buChar char="•"/>
             </a:pPr>
             <a:r>
-              <a:rPr lang="en-US" altLang="en-US" sz="2541"/>
-              <a:t>konto użytkownika (zmienione hasło do rzadko używanego/porzuconego/nieaktywnego konta, stworzenie nowego konta)</a:t>
+              <a:rPr lang="en-US" altLang="en-US" sz="2541" dirty="0" err="1"/>
+              <a:t>konto</a:t>
+            </a:r>
+            <a:r>
+              <a:rPr lang="en-US" altLang="en-US" sz="2541" dirty="0"/>
+              <a:t> </a:t>
+            </a:r>
+            <a:r>
+              <a:rPr lang="en-US" altLang="en-US" sz="2541" dirty="0" err="1"/>
+              <a:t>użytkownika</a:t>
+            </a:r>
+            <a:r>
+              <a:rPr lang="en-US" altLang="en-US" sz="2541" dirty="0"/>
+              <a:t> (</a:t>
+            </a:r>
+            <a:r>
+              <a:rPr lang="en-US" altLang="en-US" sz="2541" dirty="0" err="1"/>
+              <a:t>zmienione</a:t>
+            </a:r>
+            <a:r>
+              <a:rPr lang="en-US" altLang="en-US" sz="2541" dirty="0"/>
+              <a:t> </a:t>
+            </a:r>
+            <a:r>
+              <a:rPr lang="en-US" altLang="en-US" sz="2541" dirty="0" err="1"/>
+              <a:t>hasło</a:t>
+            </a:r>
+            <a:r>
+              <a:rPr lang="en-US" altLang="en-US" sz="2541" dirty="0"/>
+              <a:t> do </a:t>
+            </a:r>
+            <a:r>
+              <a:rPr lang="en-US" altLang="en-US" sz="2541" dirty="0" err="1"/>
+              <a:t>rzadko</a:t>
+            </a:r>
+            <a:r>
+              <a:rPr lang="en-US" altLang="en-US" sz="2541" dirty="0"/>
+              <a:t> </a:t>
+            </a:r>
+            <a:r>
+              <a:rPr lang="en-US" altLang="en-US" sz="2541" dirty="0" err="1"/>
+              <a:t>używanego</a:t>
+            </a:r>
+            <a:r>
+              <a:rPr lang="en-US" altLang="en-US" sz="2541" dirty="0"/>
+              <a:t>/</a:t>
+            </a:r>
+            <a:r>
+              <a:rPr lang="en-US" altLang="en-US" sz="2541" dirty="0" err="1"/>
+              <a:t>porzuconego</a:t>
+            </a:r>
+            <a:r>
+              <a:rPr lang="en-US" altLang="en-US" sz="2541" dirty="0"/>
+              <a:t>/</a:t>
+            </a:r>
+            <a:r>
+              <a:rPr lang="en-US" altLang="en-US" sz="2541" dirty="0" err="1"/>
+              <a:t>nieaktywnego</a:t>
+            </a:r>
+            <a:r>
+              <a:rPr lang="en-US" altLang="en-US" sz="2541" dirty="0"/>
+              <a:t> </a:t>
+            </a:r>
+            <a:r>
+              <a:rPr lang="en-US" altLang="en-US" sz="2541" dirty="0" err="1"/>
+              <a:t>konta</a:t>
+            </a:r>
+            <a:r>
+              <a:rPr lang="en-US" altLang="en-US" sz="2541" dirty="0"/>
+              <a:t>, </a:t>
+            </a:r>
+            <a:r>
+              <a:rPr lang="en-US" altLang="en-US" sz="2541" dirty="0" err="1"/>
+              <a:t>stworzenie</a:t>
+            </a:r>
+            <a:r>
+              <a:rPr lang="en-US" altLang="en-US" sz="2541" dirty="0"/>
+              <a:t> </a:t>
+            </a:r>
+            <a:r>
+              <a:rPr lang="en-US" altLang="en-US" sz="2541" dirty="0" err="1"/>
+              <a:t>nowego</a:t>
+            </a:r>
+            <a:r>
+              <a:rPr lang="en-US" altLang="en-US" sz="2541" dirty="0"/>
+              <a:t> </a:t>
+            </a:r>
+            <a:r>
+              <a:rPr lang="en-US" altLang="en-US" sz="2541" dirty="0" err="1"/>
+              <a:t>konta</a:t>
+            </a:r>
+            <a:r>
+              <a:rPr lang="en-US" altLang="en-US" sz="2541" dirty="0"/>
+              <a:t>)</a:t>
             </a:r>
           </a:p>
           <a:p>
@@ -9632,8 +10950,60 @@
               <a:buChar char="•"/>
             </a:pPr>
             <a:r>
-              <a:rPr lang="en-US" altLang="en-US" sz="2541"/>
-              <a:t>umieszczona w systemie podatność, w szczególności podatność prowadząca do typu Remote/Local Code Execution</a:t>
+              <a:rPr lang="en-US" altLang="en-US" sz="2541" dirty="0" err="1"/>
+              <a:t>umieszczona</a:t>
+            </a:r>
+            <a:r>
+              <a:rPr lang="en-US" altLang="en-US" sz="2541" dirty="0"/>
+              <a:t> w </a:t>
+            </a:r>
+            <a:r>
+              <a:rPr lang="en-US" altLang="en-US" sz="2541" dirty="0" err="1"/>
+              <a:t>systemie</a:t>
+            </a:r>
+            <a:r>
+              <a:rPr lang="en-US" altLang="en-US" sz="2541" dirty="0"/>
+              <a:t> </a:t>
+            </a:r>
+            <a:r>
+              <a:rPr lang="en-US" altLang="en-US" sz="2541" dirty="0" err="1"/>
+              <a:t>podatność</a:t>
+            </a:r>
+            <a:r>
+              <a:rPr lang="en-US" altLang="en-US" sz="2541" dirty="0"/>
+              <a:t>, w </a:t>
+            </a:r>
+            <a:r>
+              <a:rPr lang="en-US" altLang="en-US" sz="2541" dirty="0" err="1"/>
+              <a:t>szczególności</a:t>
+            </a:r>
+            <a:r>
+              <a:rPr lang="en-US" altLang="en-US" sz="2541" dirty="0"/>
+              <a:t> </a:t>
+            </a:r>
+            <a:r>
+              <a:rPr lang="en-US" altLang="en-US" sz="2541" dirty="0" err="1"/>
+              <a:t>podatność</a:t>
+            </a:r>
+            <a:r>
+              <a:rPr lang="en-US" altLang="en-US" sz="2541" dirty="0"/>
+              <a:t> </a:t>
+            </a:r>
+            <a:r>
+              <a:rPr lang="en-US" altLang="en-US" sz="2541" dirty="0" err="1"/>
+              <a:t>prowadząca</a:t>
+            </a:r>
+            <a:r>
+              <a:rPr lang="en-US" altLang="en-US" sz="2541" dirty="0"/>
+              <a:t> do </a:t>
+            </a:r>
+            <a:r>
+              <a:rPr lang="en-US" altLang="en-US" sz="2541" dirty="0" err="1"/>
+              <a:t>typu</a:t>
+            </a:r>
+            <a:r>
+              <a:rPr lang="en-US" altLang="en-US" sz="2541" dirty="0"/>
+              <a:t> Remote/Local Code Execution</a:t>
             </a:r>
           </a:p>
         </p:txBody>
@@ -10164,7 +11534,9 @@
           </a:xfrm>
         </p:spPr>
         <p:txBody>
-          <a:bodyPr/>
+          <a:bodyPr>
+            <a:normAutofit fontScale="90000"/>
+          </a:bodyPr>
           <a:lstStyle/>
           <a:p>
             <a:pPr algn="ctr">
@@ -11352,7 +12724,9 @@
           </a:xfrm>
         </p:spPr>
         <p:txBody>
-          <a:bodyPr/>
+          <a:bodyPr>
+            <a:normAutofit fontScale="90000"/>
+          </a:bodyPr>
           <a:lstStyle/>
           <a:p>
             <a:pPr algn="ctr">
@@ -11546,7 +12920,9 @@
           </a:xfrm>
         </p:spPr>
         <p:txBody>
-          <a:bodyPr/>
+          <a:bodyPr>
+            <a:normAutofit fontScale="90000"/>
+          </a:bodyPr>
           <a:lstStyle/>
           <a:p>
             <a:pPr algn="ctr">
@@ -11680,7 +13056,9 @@
           </a:xfrm>
         </p:spPr>
         <p:txBody>
-          <a:bodyPr/>
+          <a:bodyPr>
+            <a:normAutofit fontScale="90000"/>
+          </a:bodyPr>
           <a:lstStyle/>
           <a:p>
             <a:pPr algn="ctr">
@@ -11911,7 +13289,9 @@
           </a:xfrm>
         </p:spPr>
         <p:txBody>
-          <a:bodyPr/>
+          <a:bodyPr>
+            <a:normAutofit fontScale="90000"/>
+          </a:bodyPr>
           <a:lstStyle/>
           <a:p>
             <a:pPr algn="ctr">
@@ -12108,7 +13488,9 @@
           </a:xfrm>
         </p:spPr>
         <p:txBody>
-          <a:bodyPr/>
+          <a:bodyPr>
+            <a:normAutofit fontScale="90000"/>
+          </a:bodyPr>
           <a:lstStyle/>
           <a:p>
             <a:pPr algn="ctr">
@@ -12299,7 +13681,9 @@
           </a:xfrm>
         </p:spPr>
         <p:txBody>
-          <a:bodyPr/>
+          <a:bodyPr>
+            <a:normAutofit fontScale="90000"/>
+          </a:bodyPr>
           <a:lstStyle/>
           <a:p>
             <a:pPr algn="ctr">
@@ -18301,7 +19685,7 @@
         <p:spPr>
           <a:xfrm>
             <a:off x="550450" y="2040201"/>
-            <a:ext cx="11446625" cy="2585323"/>
+            <a:ext cx="11446625" cy="2154436"/>
           </a:xfrm>
           <a:prstGeom prst="rect">
             <a:avLst/>
@@ -18318,24 +19702,65 @@
               <a:buChar char="•"/>
             </a:pPr>
             <a:r>
-              <a:rPr lang="en-US" sz="2800"/>
-              <a:t>Defensywa i ofensywa </a:t>
-            </a:r>
-            <a:r>
-              <a:rPr lang="en-US" sz="2800" b="1"/>
-              <a:t>nie są symetryczne</a:t>
-            </a:r>
+              <a:rPr lang="en-US" sz="2800" dirty="0" err="1"/>
+              <a:t>Defensywa</a:t>
+            </a:r>
+            <a:r>
+              <a:rPr lang="en-US" sz="2800" dirty="0"/>
+              <a:t> </a:t>
+            </a:r>
+            <a:r>
+              <a:rPr lang="en-US" sz="2800" dirty="0" err="1"/>
+              <a:t>i</a:t>
+            </a:r>
+            <a:r>
+              <a:rPr lang="en-US" sz="2800" dirty="0"/>
+              <a:t> </a:t>
+            </a:r>
+            <a:r>
+              <a:rPr lang="en-US" sz="2800" dirty="0" err="1"/>
+              <a:t>ofensywa</a:t>
+            </a:r>
+            <a:r>
+              <a:rPr lang="en-US" sz="2800" dirty="0"/>
+              <a:t> </a:t>
+            </a:r>
+            <a:r>
+              <a:rPr lang="en-US" sz="2800" b="1" dirty="0" err="1"/>
+              <a:t>nie</a:t>
+            </a:r>
+            <a:r>
+              <a:rPr lang="en-US" sz="2800" b="1" dirty="0"/>
+              <a:t> </a:t>
+            </a:r>
+            <a:r>
+              <a:rPr lang="en-US" sz="2800" b="1" dirty="0" err="1"/>
+              <a:t>są</a:t>
+            </a:r>
+            <a:r>
+              <a:rPr lang="pl-PL" sz="2800" b="1" dirty="0"/>
+              <a:t> wobec siebie w pełni</a:t>
+            </a:r>
+            <a:r>
+              <a:rPr lang="en-US" sz="2800" b="1" dirty="0"/>
+              <a:t> </a:t>
+            </a:r>
+            <a:r>
+              <a:rPr lang="en-US" sz="2800" b="1" dirty="0" err="1"/>
+              <a:t>symetryczne</a:t>
+            </a:r>
+            <a:endParaRPr lang="en-US" sz="2800" b="1" dirty="0"/>
           </a:p>
           <a:p>
             <a:pPr marL="285750" lvl="0" indent="-285750">
               <a:buFont typeface="Arial" panose="020B0604020202020204" pitchFamily="34" charset="0"/>
               <a:buChar char="•"/>
             </a:pPr>
-            <a:endParaRPr lang="en-US" sz="2800" b="1"/>
+            <a:endParaRPr lang="en-US" sz="2800" b="1" dirty="0"/>
           </a:p>
           <a:p>
             <a:pPr lvl="0"/>
-            <a:endParaRPr lang="en-US" sz="2800" b="1"/>
+            <a:endParaRPr lang="en-US" sz="2800" b="1" dirty="0"/>
           </a:p>
           <a:p>
             <a:pPr marL="285750" lvl="0" indent="-285750">
@@ -18343,21 +19768,56 @@
               <a:buChar char="•"/>
             </a:pPr>
             <a:r>
-              <a:rPr lang="en-US" sz="2800" b="1"/>
-              <a:t>NIE SĄ TO "dwie strony tej samej monety" </a:t>
-            </a:r>
-            <a:r>
-              <a:rPr lang="en-US" sz="2800"/>
-              <a:t>(mimo, że może się tak na pozór wydawać, sam jeszcze niedawno w to wierzyłem )</a:t>
-            </a:r>
-            <a:endParaRPr lang="en-US" sz="2800" b="1"/>
+              <a:rPr lang="pl-PL" sz="2800" b="1" dirty="0"/>
+              <a:t>Nie do końca są to „</a:t>
+            </a:r>
+            <a:r>
+              <a:rPr lang="en-US" sz="2800" b="1" dirty="0" err="1"/>
+              <a:t>dwie</a:t>
+            </a:r>
+            <a:r>
+              <a:rPr lang="en-US" sz="2800" b="1" dirty="0"/>
+              <a:t> </a:t>
+            </a:r>
+            <a:r>
+              <a:rPr lang="en-US" sz="2800" b="1" dirty="0" err="1"/>
+              <a:t>strony</a:t>
+            </a:r>
+            <a:r>
+              <a:rPr lang="en-US" sz="2800" b="1" dirty="0"/>
+              <a:t> </a:t>
+            </a:r>
+            <a:r>
+              <a:rPr lang="en-US" sz="2800" b="1" dirty="0" err="1"/>
+              <a:t>tej</a:t>
+            </a:r>
+            <a:r>
+              <a:rPr lang="en-US" sz="2800" b="1" dirty="0"/>
+              <a:t> </a:t>
+            </a:r>
+            <a:r>
+              <a:rPr lang="en-US" sz="2800" b="1" dirty="0" err="1"/>
+              <a:t>samej</a:t>
+            </a:r>
+            <a:r>
+              <a:rPr lang="en-US" sz="2800" b="1" dirty="0"/>
+              <a:t> </a:t>
+            </a:r>
+            <a:r>
+              <a:rPr lang="en-US" sz="2800" b="1" dirty="0" err="1"/>
+              <a:t>monety</a:t>
+            </a:r>
+            <a:r>
+              <a:rPr lang="en-US" sz="2800" b="1" dirty="0"/>
+              <a:t>"</a:t>
+            </a:r>
           </a:p>
           <a:p>
             <a:pPr marL="285750" lvl="0" indent="-285750">
               <a:buFont typeface="Arial" panose="020B0604020202020204" pitchFamily="34" charset="0"/>
               <a:buChar char="•"/>
             </a:pPr>
-            <a:endParaRPr lang="en-US" sz="2800"/>
+            <a:endParaRPr lang="en-US" sz="2800" dirty="0"/>
           </a:p>
         </p:txBody>
       </p:sp>
